--- a/SCRM Automation Status_20200310_v1.5.pptx
+++ b/SCRM Automation Status_20200310_v1.5.pptx
@@ -5,17 +5,17 @@
     <p:sldMasterId id="2147483648" r:id="rId1"/>
   </p:sldMasterIdLst>
   <p:notesMasterIdLst>
-    <p:notesMasterId r:id="rId5"/>
+    <p:notesMasterId r:id="rId4"/>
   </p:notesMasterIdLst>
   <p:handoutMasterIdLst>
-    <p:handoutMasterId r:id="rId6"/>
+    <p:handoutMasterId r:id="rId5"/>
   </p:handoutMasterIdLst>
   <p:sldIdLst>
-    <p:sldId id="2170" r:id="rId3"/>
-    <p:sldId id="2171" r:id="rId4"/>
+    <p:sldId id="2170" r:id="rId2"/>
+    <p:sldId id="2171" r:id="rId3"/>
   </p:sldIdLst>
   <p:sldSz cx="12192000" cy="6858000"/>
-  <p:notesSz cx="6805295" cy="9939020"/>
+  <p:notesSz cx="6805613" cy="9939338"/>
   <p:defaultTextStyle>
     <a:defPPr>
       <a:defRPr lang="ja-JP"/>
@@ -111,6 +111,50 @@
       </a:defRPr>
     </a:lvl9pPr>
   </p:defaultTextStyle>
+  <p:extLst>
+    <p:ext uri="{EFAFB233-063F-42B5-8137-9DF3F51BA10A}">
+      <p15:sldGuideLst xmlns:p15="http://schemas.microsoft.com/office/powerpoint/2012/main">
+        <p15:guide id="1" orient="horz" pos="2160">
+          <p15:clr>
+            <a:srgbClr val="A4A3A4"/>
+          </p15:clr>
+        </p15:guide>
+        <p15:guide id="2" pos="3840">
+          <p15:clr>
+            <a:srgbClr val="A4A3A4"/>
+          </p15:clr>
+        </p15:guide>
+        <p15:guide id="3" orient="horz" pos="527">
+          <p15:clr>
+            <a:srgbClr val="A4A3A4"/>
+          </p15:clr>
+        </p15:guide>
+        <p15:guide id="4" orient="horz" pos="3974">
+          <p15:clr>
+            <a:srgbClr val="A4A3A4"/>
+          </p15:clr>
+        </p15:guide>
+        <p15:guide id="5" pos="7469">
+          <p15:clr>
+            <a:srgbClr val="A4A3A4"/>
+          </p15:clr>
+        </p15:guide>
+        <p15:guide id="6" pos="332">
+          <p15:clr>
+            <a:srgbClr val="A4A3A4"/>
+          </p15:clr>
+        </p15:guide>
+        <p15:guide id="7" pos="3780">
+          <p15:clr>
+            <a:srgbClr val="A4A3A4"/>
+          </p15:clr>
+        </p15:guide>
+      </p15:sldGuideLst>
+    </p:ext>
+    <p:ext uri="{2D200454-40CA-4A62-9FC3-DE9A4176ACB9}">
+      <p15:notesGuideLst xmlns:p15="http://schemas.microsoft.com/office/powerpoint/2012/main"/>
+    </p:ext>
+  </p:extLst>
 </p:presentation>
 </file>
 
@@ -196,6 +240,7 @@
           <a:p>
             <a:fld id="{ABB6C95C-B648-2D4B-A96A-72AA69FD4147}" type="datetimeFigureOut">
               <a:rPr lang="en-US" smtClean="0"/>
+              <a:t>3/24/2020</a:t>
             </a:fld>
             <a:endParaRPr lang="en-US" dirty="0"/>
           </a:p>
@@ -261,6 +306,7 @@
           <a:p>
             <a:fld id="{243787BC-53F2-5E4E-A9A8-7F2DCB4E7D8A}" type="slidenum">
               <a:rPr lang="en-US" smtClean="0"/>
+              <a:t>‹#›</a:t>
             </a:fld>
             <a:endParaRPr lang="en-US" dirty="0"/>
           </a:p>
@@ -355,6 +401,7 @@
           <a:p>
             <a:fld id="{2A382978-60B3-41E0-9AD0-2E9E6E8B7873}" type="datetimeFigureOut">
               <a:rPr kumimoji="1" lang="ja-JP" altLang="en-US" smtClean="0"/>
+              <a:t>2020/3/24</a:t>
             </a:fld>
             <a:endParaRPr kumimoji="1" lang="ja-JP" altLang="en-US" dirty="0"/>
           </a:p>
@@ -423,7 +470,6 @@
               <a:rPr kumimoji="1" lang="ja-JP" altLang="en-US"/>
               <a:t>マスタ テキストの書式設定</a:t>
             </a:r>
-            <a:endParaRPr kumimoji="1" lang="ja-JP" altLang="en-US"/>
           </a:p>
           <a:p>
             <a:pPr lvl="1"/>
@@ -439,7 +485,6 @@
               <a:rPr kumimoji="1" lang="ja-JP" altLang="en-US"/>
               <a:t>レベル</a:t>
             </a:r>
-            <a:endParaRPr kumimoji="1" lang="ja-JP" altLang="en-US"/>
           </a:p>
           <a:p>
             <a:pPr lvl="2"/>
@@ -455,7 +500,6 @@
               <a:rPr kumimoji="1" lang="ja-JP" altLang="en-US"/>
               <a:t>レベル</a:t>
             </a:r>
-            <a:endParaRPr kumimoji="1" lang="ja-JP" altLang="en-US"/>
           </a:p>
           <a:p>
             <a:pPr lvl="3"/>
@@ -471,7 +515,6 @@
               <a:rPr kumimoji="1" lang="ja-JP" altLang="en-US"/>
               <a:t>レベル</a:t>
             </a:r>
-            <a:endParaRPr kumimoji="1" lang="ja-JP" altLang="en-US"/>
           </a:p>
           <a:p>
             <a:pPr lvl="4"/>
@@ -487,7 +530,6 @@
               <a:rPr kumimoji="1" lang="ja-JP" altLang="en-US"/>
               <a:t>レベル</a:t>
             </a:r>
-            <a:endParaRPr kumimoji="1" lang="ja-JP" altLang="en-US"/>
           </a:p>
         </p:txBody>
       </p:sp>
@@ -551,6 +593,7 @@
           <a:p>
             <a:fld id="{CEDB620F-9065-4E0D-8D9D-4F204AB69C9B}" type="slidenum">
               <a:rPr kumimoji="1" lang="ja-JP" altLang="en-US" smtClean="0"/>
+              <a:t>‹#›</a:t>
             </a:fld>
             <a:endParaRPr kumimoji="1" lang="ja-JP" altLang="en-US" dirty="0"/>
           </a:p>
@@ -656,7 +699,7 @@
 </file>
 
 <file path=ppt/slideLayouts/slideLayout1.xml><?xml version="1.0" encoding="utf-8"?>
-<p:sldLayout xmlns:a="http://schemas.openxmlformats.org/drawingml/2006/main" xmlns:r="http://schemas.openxmlformats.org/officeDocument/2006/relationships" xmlns:p="http://schemas.openxmlformats.org/presentationml/2006/main" preserve="1" showMasterSp="0" userDrawn="1">
+<p:sldLayout xmlns:a="http://schemas.openxmlformats.org/drawingml/2006/main" xmlns:r="http://schemas.openxmlformats.org/officeDocument/2006/relationships" xmlns:p="http://schemas.openxmlformats.org/presentationml/2006/main" showMasterSp="0" preserve="1" userDrawn="1">
   <p:cSld name="2_Title Image 2 a">
     <p:spTree>
       <p:nvGrpSpPr>
@@ -762,7 +805,6 @@
               <a:rPr lang="en-GB" dirty="0"/>
               <a:t>Click to enter Presentation Title</a:t>
             </a:r>
-            <a:endParaRPr lang="en-GB" dirty="0"/>
           </a:p>
         </p:txBody>
       </p:sp>
@@ -797,7 +839,6 @@
               <a:rPr lang="en-US" dirty="0"/>
               <a:t>Date</a:t>
             </a:r>
-            <a:endParaRPr lang="en-US" dirty="0"/>
           </a:p>
         </p:txBody>
       </p:sp>
@@ -836,7 +877,6 @@
               <a:rPr lang="en-US" dirty="0"/>
               <a:t>Department</a:t>
             </a:r>
-            <a:endParaRPr lang="en-US" dirty="0"/>
           </a:p>
         </p:txBody>
       </p:sp>
@@ -871,7 +911,6 @@
               <a:rPr lang="en-US" dirty="0"/>
               <a:t>Name, Job Title</a:t>
             </a:r>
-            <a:endParaRPr lang="en-US" dirty="0"/>
           </a:p>
         </p:txBody>
       </p:sp>
@@ -946,11 +985,6 @@
               </a:rPr>
               <a:t>Company Name</a:t>
             </a:r>
-            <a:endParaRPr lang="en-US" sz="1600" dirty="0">
-              <a:solidFill>
-                <a:schemeClr val="accent2"/>
-              </a:solidFill>
-            </a:endParaRPr>
           </a:p>
         </p:txBody>
       </p:sp>
@@ -1046,7 +1080,7 @@
 </file>
 
 <file path=ppt/slideLayouts/slideLayout10.xml><?xml version="1.0" encoding="utf-8"?>
-<p:sldLayout xmlns:a="http://schemas.openxmlformats.org/drawingml/2006/main" xmlns:r="http://schemas.openxmlformats.org/officeDocument/2006/relationships" xmlns:p="http://schemas.openxmlformats.org/presentationml/2006/main" preserve="1" showMasterSp="0" userDrawn="1">
+<p:sldLayout xmlns:a="http://schemas.openxmlformats.org/drawingml/2006/main" xmlns:r="http://schemas.openxmlformats.org/officeDocument/2006/relationships" xmlns:p="http://schemas.openxmlformats.org/presentationml/2006/main" showMasterSp="0" preserve="1" userDrawn="1">
   <p:cSld name="裏表紙">
     <p:spTree>
       <p:nvGrpSpPr>
@@ -1134,11 +1168,6 @@
               </a:rPr>
               <a:t>© 2019 Takeda Pharmaceutical Company Limited. All rights reserved</a:t>
             </a:r>
-            <a:endParaRPr lang="en-US" sz="800" dirty="0">
-              <a:solidFill>
-                <a:schemeClr val="accent2"/>
-              </a:solidFill>
-            </a:endParaRPr>
           </a:p>
           <a:p>
             <a:pPr algn="ctr"/>
@@ -1223,6 +1252,7 @@
           <a:p>
             <a:fld id="{0D558541-60C9-42A2-8392-FF12533A6B7A}" type="slidenum">
               <a:rPr lang="en-US" smtClean="0"/>
+              <a:t>‹#›</a:t>
             </a:fld>
             <a:endParaRPr lang="en-US"/>
           </a:p>
@@ -1252,7 +1282,6 @@
               <a:rPr lang="en-US"/>
               <a:t>Click to edit Master title style</a:t>
             </a:r>
-            <a:endParaRPr lang="en-US"/>
           </a:p>
         </p:txBody>
       </p:sp>
@@ -1284,7 +1313,6 @@
               <a:rPr lang="en-US"/>
               <a:t>Edit Master text styles</a:t>
             </a:r>
-            <a:endParaRPr lang="en-US"/>
           </a:p>
           <a:p>
             <a:pPr lvl="1"/>
@@ -1292,7 +1320,6 @@
               <a:rPr lang="en-US"/>
               <a:t>Second level</a:t>
             </a:r>
-            <a:endParaRPr lang="en-US"/>
           </a:p>
           <a:p>
             <a:pPr lvl="2"/>
@@ -1300,7 +1327,6 @@
               <a:rPr lang="en-US"/>
               <a:t>Third level</a:t>
             </a:r>
-            <a:endParaRPr lang="en-US"/>
           </a:p>
           <a:p>
             <a:pPr lvl="3"/>
@@ -1308,7 +1334,6 @@
               <a:rPr lang="en-US"/>
               <a:t>Fourth level</a:t>
             </a:r>
-            <a:endParaRPr lang="en-US"/>
           </a:p>
           <a:p>
             <a:pPr lvl="4"/>
@@ -1316,7 +1341,6 @@
               <a:rPr lang="en-US"/>
               <a:t>Fifth level</a:t>
             </a:r>
-            <a:endParaRPr lang="en-US"/>
           </a:p>
         </p:txBody>
       </p:sp>
@@ -1329,7 +1353,7 @@
 </file>
 
 <file path=ppt/slideLayouts/slideLayout2.xml><?xml version="1.0" encoding="utf-8"?>
-<p:sldLayout xmlns:a="http://schemas.openxmlformats.org/drawingml/2006/main" xmlns:r="http://schemas.openxmlformats.org/officeDocument/2006/relationships" xmlns:p="http://schemas.openxmlformats.org/presentationml/2006/main" preserve="1" showMasterSp="0" userDrawn="1">
+<p:sldLayout xmlns:a="http://schemas.openxmlformats.org/drawingml/2006/main" xmlns:r="http://schemas.openxmlformats.org/officeDocument/2006/relationships" xmlns:p="http://schemas.openxmlformats.org/presentationml/2006/main" showMasterSp="0" preserve="1" userDrawn="1">
   <p:cSld name="20_Title Image 2 a">
     <p:spTree>
       <p:nvGrpSpPr>
@@ -1501,7 +1525,6 @@
               <a:rPr lang="en-US" dirty="0"/>
               <a:t>Date</a:t>
             </a:r>
-            <a:endParaRPr lang="en-US" dirty="0"/>
           </a:p>
         </p:txBody>
       </p:sp>
@@ -1540,7 +1563,6 @@
               <a:rPr lang="en-US" dirty="0"/>
               <a:t>Department</a:t>
             </a:r>
-            <a:endParaRPr lang="en-US" dirty="0"/>
           </a:p>
         </p:txBody>
       </p:sp>
@@ -1575,7 +1597,6 @@
               <a:rPr lang="en-US" dirty="0"/>
               <a:t>Name, Job Title</a:t>
             </a:r>
-            <a:endParaRPr lang="en-US" dirty="0"/>
           </a:p>
         </p:txBody>
       </p:sp>
@@ -1650,11 +1671,6 @@
               </a:rPr>
               <a:t>Company Name</a:t>
             </a:r>
-            <a:endParaRPr lang="en-US" sz="1600" dirty="0">
-              <a:solidFill>
-                <a:schemeClr val="accent2"/>
-              </a:solidFill>
-            </a:endParaRPr>
           </a:p>
         </p:txBody>
       </p:sp>
@@ -1695,7 +1711,7 @@
 </file>
 
 <file path=ppt/slideLayouts/slideLayout3.xml><?xml version="1.0" encoding="utf-8"?>
-<p:sldLayout xmlns:a="http://schemas.openxmlformats.org/drawingml/2006/main" xmlns:r="http://schemas.openxmlformats.org/officeDocument/2006/relationships" xmlns:p="http://schemas.openxmlformats.org/presentationml/2006/main" preserve="1" showMasterSp="0" userDrawn="1">
+<p:sldLayout xmlns:a="http://schemas.openxmlformats.org/drawingml/2006/main" xmlns:r="http://schemas.openxmlformats.org/officeDocument/2006/relationships" xmlns:p="http://schemas.openxmlformats.org/presentationml/2006/main" showMasterSp="0" preserve="1" userDrawn="1">
   <p:cSld name="21_Title Image 2 a">
     <p:spTree>
       <p:nvGrpSpPr>
@@ -1801,7 +1817,6 @@
               <a:rPr lang="en-GB" dirty="0"/>
               <a:t>Add your section title here</a:t>
             </a:r>
-            <a:endParaRPr lang="en-GB" dirty="0"/>
           </a:p>
         </p:txBody>
       </p:sp>
@@ -1914,6 +1929,7 @@
           <a:p>
             <a:fld id="{E9B57936-92EF-4126-AE48-1D9D36D15E98}" type="slidenum">
               <a:rPr lang="ja-JP" altLang="en-US" smtClean="0"/>
+              <a:t>‹#›</a:t>
             </a:fld>
             <a:endParaRPr lang="ja-JP" altLang="en-US" dirty="0"/>
           </a:p>
@@ -1978,7 +1994,6 @@
               <a:rPr lang="en-US" dirty="0"/>
               <a:t>Add your title here</a:t>
             </a:r>
-            <a:endParaRPr lang="en-US" dirty="0"/>
           </a:p>
         </p:txBody>
       </p:sp>
@@ -2058,7 +2073,6 @@
               <a:rPr lang="en-US" dirty="0"/>
               <a:t>Add your content here</a:t>
             </a:r>
-            <a:endParaRPr lang="en-US" dirty="0"/>
           </a:p>
           <a:p>
             <a:pPr lvl="1"/>
@@ -2066,7 +2080,6 @@
               <a:rPr lang="en-US" dirty="0"/>
               <a:t>Second level</a:t>
             </a:r>
-            <a:endParaRPr lang="en-US" dirty="0"/>
           </a:p>
           <a:p>
             <a:pPr lvl="2"/>
@@ -2074,7 +2087,6 @@
               <a:rPr lang="en-US" dirty="0"/>
               <a:t>Third level</a:t>
             </a:r>
-            <a:endParaRPr lang="en-US" dirty="0"/>
           </a:p>
           <a:p>
             <a:pPr lvl="3"/>
@@ -2082,7 +2094,6 @@
               <a:rPr lang="en-US" dirty="0"/>
               <a:t>Fourth level</a:t>
             </a:r>
-            <a:endParaRPr lang="en-US" dirty="0"/>
           </a:p>
           <a:p>
             <a:pPr lvl="4"/>
@@ -2090,7 +2101,6 @@
               <a:rPr lang="en-US" dirty="0"/>
               <a:t>Fifth level</a:t>
             </a:r>
-            <a:endParaRPr lang="en-US" dirty="0"/>
           </a:p>
         </p:txBody>
       </p:sp>
@@ -2129,6 +2139,7 @@
           <a:p>
             <a:fld id="{E9B57936-92EF-4126-AE48-1D9D36D15E98}" type="slidenum">
               <a:rPr lang="ja-JP" altLang="en-US" smtClean="0"/>
+              <a:t>‹#›</a:t>
             </a:fld>
             <a:endParaRPr lang="ja-JP" altLang="en-US" dirty="0"/>
           </a:p>
@@ -2322,7 +2333,6 @@
               <a:rPr lang="en-US" dirty="0"/>
               <a:t>Add your title here</a:t>
             </a:r>
-            <a:endParaRPr lang="en-US" dirty="0"/>
           </a:p>
         </p:txBody>
       </p:sp>
@@ -2361,6 +2371,7 @@
           <a:p>
             <a:fld id="{E9B57936-92EF-4126-AE48-1D9D36D15E98}" type="slidenum">
               <a:rPr lang="ja-JP" altLang="en-US" smtClean="0"/>
+              <a:t>‹#›</a:t>
             </a:fld>
             <a:endParaRPr lang="ja-JP" altLang="en-US" dirty="0"/>
           </a:p>
@@ -2776,7 +2787,6 @@
               <a:rPr lang="en-US" dirty="0"/>
               <a:t>Add your title here</a:t>
             </a:r>
-            <a:endParaRPr lang="en-US" dirty="0"/>
           </a:p>
         </p:txBody>
       </p:sp>
@@ -2815,6 +2825,7 @@
           <a:p>
             <a:fld id="{E9B57936-92EF-4126-AE48-1D9D36D15E98}" type="slidenum">
               <a:rPr lang="ja-JP" altLang="en-US" smtClean="0"/>
+              <a:t>‹#›</a:t>
             </a:fld>
             <a:endParaRPr lang="ja-JP" altLang="en-US" dirty="0"/>
           </a:p>
@@ -3322,7 +3333,6 @@
               <a:rPr lang="en-US" dirty="0"/>
               <a:t>Add your title here</a:t>
             </a:r>
-            <a:endParaRPr lang="en-US" dirty="0"/>
           </a:p>
         </p:txBody>
       </p:sp>
@@ -3361,6 +3371,7 @@
           <a:p>
             <a:fld id="{E9B57936-92EF-4126-AE48-1D9D36D15E98}" type="slidenum">
               <a:rPr lang="ja-JP" altLang="en-US" smtClean="0"/>
+              <a:t>‹#›</a:t>
             </a:fld>
             <a:endParaRPr lang="ja-JP" altLang="en-US" dirty="0"/>
           </a:p>
@@ -3665,7 +3676,6 @@
               <a:rPr lang="en-US" dirty="0"/>
               <a:t>Add your title here</a:t>
             </a:r>
-            <a:endParaRPr lang="en-US" dirty="0"/>
           </a:p>
         </p:txBody>
       </p:sp>
@@ -3705,7 +3715,6 @@
               <a:rPr lang="en-US" dirty="0"/>
               <a:t>Click to add text</a:t>
             </a:r>
-            <a:endParaRPr lang="en-US" dirty="0"/>
           </a:p>
         </p:txBody>
       </p:sp>
@@ -3744,6 +3753,7 @@
           <a:p>
             <a:fld id="{E9B57936-92EF-4126-AE48-1D9D36D15E98}" type="slidenum">
               <a:rPr lang="ja-JP" altLang="en-US" smtClean="0"/>
+              <a:t>‹#›</a:t>
             </a:fld>
             <a:endParaRPr lang="ja-JP" altLang="en-US" dirty="0"/>
           </a:p>
@@ -3988,7 +3998,6 @@
               <a:rPr lang="en-US" dirty="0"/>
               <a:t>Click to add text</a:t>
             </a:r>
-            <a:endParaRPr lang="en-US" dirty="0"/>
           </a:p>
         </p:txBody>
       </p:sp>
@@ -4026,7 +4035,6 @@
               <a:rPr lang="en-US" dirty="0"/>
               <a:t>Add your title here</a:t>
             </a:r>
-            <a:endParaRPr lang="en-US" dirty="0"/>
           </a:p>
         </p:txBody>
       </p:sp>
@@ -4065,6 +4073,7 @@
           <a:p>
             <a:fld id="{E9B57936-92EF-4126-AE48-1D9D36D15E98}" type="slidenum">
               <a:rPr lang="ja-JP" altLang="en-US" smtClean="0"/>
+              <a:t>‹#›</a:t>
             </a:fld>
             <a:endParaRPr lang="ja-JP" altLang="en-US" dirty="0"/>
           </a:p>
@@ -4310,7 +4319,7 @@
           <p:nvPr userDrawn="1"/>
         </p:nvPicPr>
         <p:blipFill>
-          <a:blip r:embed="rId12" cstate="screen"/>
+          <a:blip r:embed="rId13" cstate="screen"/>
           <a:stretch>
             <a:fillRect/>
           </a:stretch>
@@ -4367,6 +4376,7 @@
           <a:p>
             <a:fld id="{E9B57936-92EF-4126-AE48-1D9D36D15E98}" type="slidenum">
               <a:rPr lang="ja-JP" altLang="en-US" smtClean="0"/>
+              <a:t>‹#›</a:t>
             </a:fld>
             <a:endParaRPr lang="ja-JP" altLang="en-US" dirty="0"/>
           </a:p>
@@ -4721,22 +4731,28 @@
           <p:cNvGraphicFramePr>
             <a:graphicFrameLocks noChangeAspect="1"/>
           </p:cNvGraphicFramePr>
-          <p:nvPr/>
+          <p:nvPr>
+            <p:extLst>
+              <p:ext uri="{D42A27DB-BD31-4B8C-83A1-F6EECF244321}">
+                <p14:modId xmlns:p14="http://schemas.microsoft.com/office/powerpoint/2010/main" val="2549520345"/>
+              </p:ext>
+            </p:extLst>
+          </p:nvPr>
         </p:nvGraphicFramePr>
         <p:xfrm>
-          <a:off x="140970" y="755650"/>
-          <a:ext cx="12050395" cy="5754370"/>
+          <a:off x="141288" y="755650"/>
+          <a:ext cx="12017374" cy="5764213"/>
         </p:xfrm>
         <a:graphic>
           <a:graphicData uri="http://schemas.openxmlformats.org/presentationml/2006/ole">
             <mc:AlternateContent xmlns:mc="http://schemas.openxmlformats.org/markup-compatibility/2006">
               <mc:Choice xmlns:v="urn:schemas-microsoft-com:vml" Requires="v">
-                <p:oleObj spid="_x0000_s6225" name="Worksheet" r:id="rId1" imgW="14973300" imgH="5724525" progId="Excel.Sheet.12">
+                <p:oleObj spid="_x0000_s6228" name="Worksheet" r:id="rId3" imgW="11792116" imgH="5733960" progId="Excel.Sheet.12">
                   <p:embed/>
                 </p:oleObj>
               </mc:Choice>
               <mc:Fallback>
-                <p:oleObj name="Worksheet" r:id="rId1" imgW="14973300" imgH="5724525" progId="Excel.Sheet.12">
+                <p:oleObj name="Worksheet" r:id="rId3" imgW="11792116" imgH="5733960" progId="Excel.Sheet.12">
                   <p:embed/>
                   <p:pic>
                     <p:nvPicPr>
@@ -4747,7 +4763,7 @@
                       <p:nvPr/>
                     </p:nvPicPr>
                     <p:blipFill>
-                      <a:blip r:embed="rId2"/>
+                      <a:blip r:embed="rId4"/>
                       <a:srcRect/>
                       <a:stretch>
                         <a:fillRect/>
@@ -4755,8 +4771,8 @@
                     </p:blipFill>
                     <p:spPr bwMode="auto">
                       <a:xfrm>
-                        <a:off x="140970" y="755650"/>
-                        <a:ext cx="12050395" cy="5754370"/>
+                        <a:off x="141288" y="755650"/>
+                        <a:ext cx="12017374" cy="5764213"/>
                       </a:xfrm>
                       <a:prstGeom prst="rect">
                         <a:avLst/>
@@ -4929,12 +4945,12 @@
           <a:graphicData uri="http://schemas.openxmlformats.org/presentationml/2006/ole">
             <mc:AlternateContent xmlns:mc="http://schemas.openxmlformats.org/markup-compatibility/2006">
               <mc:Choice xmlns:v="urn:schemas-microsoft-com:vml" Requires="v">
-                <p:oleObj spid="_x0000_s6225" name="Worksheet" r:id="rId1" imgW="15125700" imgH="7877175" progId="Excel.Sheet.12">
+                <p:oleObj spid="_x0000_s7170" name="Worksheet" r:id="rId3" imgW="15125700" imgH="7877175" progId="Excel.Sheet.12">
                   <p:embed/>
                 </p:oleObj>
               </mc:Choice>
               <mc:Fallback>
-                <p:oleObj name="Worksheet" r:id="rId1" imgW="15125700" imgH="7877175" progId="Excel.Sheet.12">
+                <p:oleObj name="Worksheet" r:id="rId3" imgW="15125700" imgH="7877175" progId="Excel.Sheet.12">
                   <p:embed/>
                   <p:pic>
                     <p:nvPicPr>
@@ -4945,7 +4961,7 @@
                       <p:nvPr/>
                     </p:nvPicPr>
                     <p:blipFill>
-                      <a:blip r:embed="rId2"/>
+                      <a:blip r:embed="rId4"/>
                       <a:srcRect/>
                       <a:stretch>
                         <a:fillRect/>
@@ -5292,6 +5308,8 @@
       </a:bgFillStyleLst>
     </a:fmtScheme>
   </a:themeElements>
+  <a:objectDefaults/>
+  <a:extraClrSchemeLst/>
   <a:extLst>
     <a:ext uri="{05A4C25C-085E-4340-85A3-A5531E510DB2}">
       <thm15:themeFamily xmlns:thm15="http://schemas.microsoft.com/office/thememl/2012/main" name="Office Theme" id="{62F939B6-93AF-4DB8-9C6B-D6C7DFDC589F}" vid="{4A3C46E8-61CC-4603-A589-7422A47A8E4A}"/>
@@ -5578,6 +5596,8 @@
       </a:bgFillStyleLst>
     </a:fmtScheme>
   </a:themeElements>
+  <a:objectDefaults/>
+  <a:extraClrSchemeLst/>
   <a:extLst>
     <a:ext uri="{05A4C25C-085E-4340-85A3-A5531E510DB2}">
       <thm15:themeFamily xmlns:thm15="http://schemas.microsoft.com/office/thememl/2012/main" name="Office Theme" id="{62F939B6-93AF-4DB8-9C6B-D6C7DFDC589F}" vid="{4A3C46E8-61CC-4603-A589-7422A47A8E4A}"/>
@@ -5837,6 +5857,8 @@
       </a:bgFillStyleLst>
     </a:fmtScheme>
   </a:themeElements>
+  <a:objectDefaults/>
+  <a:extraClrSchemeLst/>
   <a:extLst>
     <a:ext uri="{05A4C25C-085E-4340-85A3-A5531E510DB2}">
       <thm15:themeFamily xmlns:thm15="http://schemas.microsoft.com/office/thememl/2012/main" name="Office Theme" id="{62F939B6-93AF-4DB8-9C6B-D6C7DFDC589F}" vid="{4A3C46E8-61CC-4603-A589-7422A47A8E4A}"/>

--- a/SCRM Automation Status_20200310_v1.5.pptx
+++ b/SCRM Automation Status_20200310_v1.5.pptx
@@ -240,7 +240,7 @@
           <a:p>
             <a:fld id="{ABB6C95C-B648-2D4B-A96A-72AA69FD4147}" type="datetimeFigureOut">
               <a:rPr lang="en-US" smtClean="0"/>
-              <a:t>3/24/2020</a:t>
+              <a:t>3/30/2020</a:t>
             </a:fld>
             <a:endParaRPr lang="en-US" dirty="0"/>
           </a:p>
@@ -401,7 +401,7 @@
           <a:p>
             <a:fld id="{2A382978-60B3-41E0-9AD0-2E9E6E8B7873}" type="datetimeFigureOut">
               <a:rPr kumimoji="1" lang="ja-JP" altLang="en-US" smtClean="0"/>
-              <a:t>2020/3/24</a:t>
+              <a:t>2020/3/30</a:t>
             </a:fld>
             <a:endParaRPr kumimoji="1" lang="ja-JP" altLang="en-US" dirty="0"/>
           </a:p>
@@ -4734,25 +4734,25 @@
           <p:nvPr>
             <p:extLst>
               <p:ext uri="{D42A27DB-BD31-4B8C-83A1-F6EECF244321}">
-                <p14:modId xmlns:p14="http://schemas.microsoft.com/office/powerpoint/2010/main" val="2549520345"/>
+                <p14:modId xmlns:p14="http://schemas.microsoft.com/office/powerpoint/2010/main" val="296076229"/>
               </p:ext>
             </p:extLst>
           </p:nvPr>
         </p:nvGraphicFramePr>
         <p:xfrm>
-          <a:off x="141288" y="755650"/>
-          <a:ext cx="12017374" cy="5764213"/>
+          <a:off x="433388" y="1062038"/>
+          <a:ext cx="11431587" cy="5638800"/>
         </p:xfrm>
         <a:graphic>
           <a:graphicData uri="http://schemas.openxmlformats.org/presentationml/2006/ole">
             <mc:AlternateContent xmlns:mc="http://schemas.openxmlformats.org/markup-compatibility/2006">
               <mc:Choice xmlns:v="urn:schemas-microsoft-com:vml" Requires="v">
-                <p:oleObj spid="_x0000_s6228" name="Worksheet" r:id="rId3" imgW="11792116" imgH="5733960" progId="Excel.Sheet.12">
+                <p:oleObj spid="_x0000_s6351" name="Worksheet" r:id="rId3" imgW="12449027" imgH="5972021" progId="Excel.Sheet.12">
                   <p:embed/>
                 </p:oleObj>
               </mc:Choice>
               <mc:Fallback>
-                <p:oleObj name="Worksheet" r:id="rId3" imgW="11792116" imgH="5733960" progId="Excel.Sheet.12">
+                <p:oleObj name="Worksheet" r:id="rId3" imgW="12449027" imgH="5972021" progId="Excel.Sheet.12">
                   <p:embed/>
                   <p:pic>
                     <p:nvPicPr>
@@ -4771,8 +4771,8 @@
                     </p:blipFill>
                     <p:spPr bwMode="auto">
                       <a:xfrm>
-                        <a:off x="141288" y="755650"/>
-                        <a:ext cx="12017374" cy="5764213"/>
+                        <a:off x="433388" y="1062038"/>
+                        <a:ext cx="11431587" cy="5638800"/>
                       </a:xfrm>
                       <a:prstGeom prst="rect">
                         <a:avLst/>
@@ -4830,8 +4830,8 @@
         </p:nvSpPr>
         <p:spPr>
           <a:xfrm>
-            <a:off x="141242" y="2666131"/>
-            <a:ext cx="12017420" cy="504056"/>
+            <a:off x="141242" y="2162074"/>
+            <a:ext cx="12017420" cy="690862"/>
           </a:xfrm>
           <a:prstGeom prst="rect">
             <a:avLst/>
@@ -4871,8 +4871,8 @@
         </p:nvSpPr>
         <p:spPr>
           <a:xfrm>
-            <a:off x="141242" y="6058669"/>
-            <a:ext cx="12017420" cy="504056"/>
+            <a:off x="141242" y="5546450"/>
+            <a:ext cx="12017420" cy="690862"/>
           </a:xfrm>
           <a:prstGeom prst="rect">
             <a:avLst/>
@@ -4935,22 +4935,28 @@
           <p:cNvGraphicFramePr>
             <a:graphicFrameLocks noChangeAspect="1"/>
           </p:cNvGraphicFramePr>
-          <p:nvPr/>
+          <p:nvPr>
+            <p:extLst>
+              <p:ext uri="{D42A27DB-BD31-4B8C-83A1-F6EECF244321}">
+                <p14:modId xmlns:p14="http://schemas.microsoft.com/office/powerpoint/2010/main" val="2820074555"/>
+              </p:ext>
+            </p:extLst>
+          </p:nvPr>
         </p:nvGraphicFramePr>
         <p:xfrm>
-          <a:off x="36513" y="810895"/>
-          <a:ext cx="12145645" cy="6047105"/>
+          <a:off x="344488" y="835025"/>
+          <a:ext cx="11075987" cy="5942013"/>
         </p:xfrm>
         <a:graphic>
           <a:graphicData uri="http://schemas.openxmlformats.org/presentationml/2006/ole">
             <mc:AlternateContent xmlns:mc="http://schemas.openxmlformats.org/markup-compatibility/2006">
               <mc:Choice xmlns:v="urn:schemas-microsoft-com:vml" Requires="v">
-                <p:oleObj spid="_x0000_s7170" name="Worksheet" r:id="rId3" imgW="15125700" imgH="7877175" progId="Excel.Sheet.12">
+                <p:oleObj spid="_x0000_s7293" name="Worksheet" r:id="rId3" imgW="13230171" imgH="8829791" progId="Excel.Sheet.12">
                   <p:embed/>
                 </p:oleObj>
               </mc:Choice>
               <mc:Fallback>
-                <p:oleObj name="Worksheet" r:id="rId3" imgW="15125700" imgH="7877175" progId="Excel.Sheet.12">
+                <p:oleObj name="Worksheet" r:id="rId3" imgW="13230171" imgH="8829791" progId="Excel.Sheet.12">
                   <p:embed/>
                   <p:pic>
                     <p:nvPicPr>
@@ -4969,8 +4975,8 @@
                     </p:blipFill>
                     <p:spPr bwMode="auto">
                       <a:xfrm>
-                        <a:off x="36513" y="810895"/>
-                        <a:ext cx="12145645" cy="6047105"/>
+                        <a:off x="344488" y="835025"/>
+                        <a:ext cx="11075987" cy="5942013"/>
                       </a:xfrm>
                       <a:prstGeom prst="rect">
                         <a:avLst/>

--- a/SCRM Automation Status_20200310_v1.5.pptx
+++ b/SCRM Automation Status_20200310_v1.5.pptx
@@ -240,7 +240,7 @@
           <a:p>
             <a:fld id="{ABB6C95C-B648-2D4B-A96A-72AA69FD4147}" type="datetimeFigureOut">
               <a:rPr lang="en-US" smtClean="0"/>
-              <a:t>3/30/2020</a:t>
+              <a:t>3/31/2020</a:t>
             </a:fld>
             <a:endParaRPr lang="en-US" dirty="0"/>
           </a:p>
@@ -401,7 +401,7 @@
           <a:p>
             <a:fld id="{2A382978-60B3-41E0-9AD0-2E9E6E8B7873}" type="datetimeFigureOut">
               <a:rPr kumimoji="1" lang="ja-JP" altLang="en-US" smtClean="0"/>
-              <a:t>2020/3/30</a:t>
+              <a:t>2020/3/31</a:t>
             </a:fld>
             <a:endParaRPr kumimoji="1" lang="ja-JP" altLang="en-US" dirty="0"/>
           </a:p>
@@ -4734,25 +4734,25 @@
           <p:nvPr>
             <p:extLst>
               <p:ext uri="{D42A27DB-BD31-4B8C-83A1-F6EECF244321}">
-                <p14:modId xmlns:p14="http://schemas.microsoft.com/office/powerpoint/2010/main" val="296076229"/>
+                <p14:modId xmlns:p14="http://schemas.microsoft.com/office/powerpoint/2010/main" val="167985886"/>
               </p:ext>
             </p:extLst>
           </p:nvPr>
         </p:nvGraphicFramePr>
         <p:xfrm>
-          <a:off x="433388" y="1062038"/>
-          <a:ext cx="11431587" cy="5638800"/>
+          <a:off x="119063" y="1143000"/>
+          <a:ext cx="12015787" cy="5187950"/>
         </p:xfrm>
         <a:graphic>
           <a:graphicData uri="http://schemas.openxmlformats.org/presentationml/2006/ole">
             <mc:AlternateContent xmlns:mc="http://schemas.openxmlformats.org/markup-compatibility/2006">
               <mc:Choice xmlns:v="urn:schemas-microsoft-com:vml" Requires="v">
-                <p:oleObj spid="_x0000_s6351" name="Worksheet" r:id="rId3" imgW="12449027" imgH="5972021" progId="Excel.Sheet.12">
+                <p:oleObj spid="_x0000_s6416" name="Worksheet" r:id="rId3" imgW="13087198" imgH="5495899" progId="Excel.Sheet.12">
                   <p:embed/>
                 </p:oleObj>
               </mc:Choice>
               <mc:Fallback>
-                <p:oleObj name="Worksheet" r:id="rId3" imgW="12449027" imgH="5972021" progId="Excel.Sheet.12">
+                <p:oleObj name="Worksheet" r:id="rId3" imgW="13087198" imgH="5495899" progId="Excel.Sheet.12">
                   <p:embed/>
                   <p:pic>
                     <p:nvPicPr>
@@ -4771,8 +4771,8 @@
                     </p:blipFill>
                     <p:spPr bwMode="auto">
                       <a:xfrm>
-                        <a:off x="433388" y="1062038"/>
-                        <a:ext cx="11431587" cy="5638800"/>
+                        <a:off x="119063" y="1143000"/>
+                        <a:ext cx="12015787" cy="5187950"/>
                       </a:xfrm>
                       <a:prstGeom prst="rect">
                         <a:avLst/>
@@ -4830,7 +4830,7 @@
         </p:nvSpPr>
         <p:spPr>
           <a:xfrm>
-            <a:off x="141242" y="2162074"/>
+            <a:off x="119336" y="2278931"/>
             <a:ext cx="12017420" cy="690862"/>
           </a:xfrm>
           <a:prstGeom prst="rect">
@@ -4871,7 +4871,7 @@
         </p:nvSpPr>
         <p:spPr>
           <a:xfrm>
-            <a:off x="141242" y="5546450"/>
+            <a:off x="119336" y="5618458"/>
             <a:ext cx="12017420" cy="690862"/>
           </a:xfrm>
           <a:prstGeom prst="rect">
@@ -4938,25 +4938,25 @@
           <p:nvPr>
             <p:extLst>
               <p:ext uri="{D42A27DB-BD31-4B8C-83A1-F6EECF244321}">
-                <p14:modId xmlns:p14="http://schemas.microsoft.com/office/powerpoint/2010/main" val="2820074555"/>
+                <p14:modId xmlns:p14="http://schemas.microsoft.com/office/powerpoint/2010/main" val="3246540333"/>
               </p:ext>
             </p:extLst>
           </p:nvPr>
         </p:nvGraphicFramePr>
         <p:xfrm>
-          <a:off x="344488" y="835025"/>
-          <a:ext cx="11075987" cy="5942013"/>
+          <a:off x="344488" y="819150"/>
+          <a:ext cx="11075987" cy="6056313"/>
         </p:xfrm>
         <a:graphic>
           <a:graphicData uri="http://schemas.openxmlformats.org/presentationml/2006/ole">
             <mc:AlternateContent xmlns:mc="http://schemas.openxmlformats.org/markup-compatibility/2006">
               <mc:Choice xmlns:v="urn:schemas-microsoft-com:vml" Requires="v">
-                <p:oleObj spid="_x0000_s7293" name="Worksheet" r:id="rId3" imgW="13230171" imgH="8829791" progId="Excel.Sheet.12">
+                <p:oleObj spid="_x0000_s7358" name="Worksheet" r:id="rId3" imgW="13230171" imgH="8115261" progId="Excel.Sheet.12">
                   <p:embed/>
                 </p:oleObj>
               </mc:Choice>
               <mc:Fallback>
-                <p:oleObj name="Worksheet" r:id="rId3" imgW="13230171" imgH="8829791" progId="Excel.Sheet.12">
+                <p:oleObj name="Worksheet" r:id="rId3" imgW="13230171" imgH="8115261" progId="Excel.Sheet.12">
                   <p:embed/>
                   <p:pic>
                     <p:nvPicPr>
@@ -4975,8 +4975,8 @@
                     </p:blipFill>
                     <p:spPr bwMode="auto">
                       <a:xfrm>
-                        <a:off x="344488" y="835025"/>
-                        <a:ext cx="11075987" cy="5942013"/>
+                        <a:off x="344488" y="819150"/>
+                        <a:ext cx="11075987" cy="6056313"/>
                       </a:xfrm>
                       <a:prstGeom prst="rect">
                         <a:avLst/>

--- a/SCRM Automation Status_20200310_v1.5.pptx
+++ b/SCRM Automation Status_20200310_v1.5.pptx
@@ -4734,7 +4734,7 @@
           <p:nvPr>
             <p:extLst>
               <p:ext uri="{D42A27DB-BD31-4B8C-83A1-F6EECF244321}">
-                <p14:modId xmlns:p14="http://schemas.microsoft.com/office/powerpoint/2010/main" val="167985886"/>
+                <p14:modId xmlns:p14="http://schemas.microsoft.com/office/powerpoint/2010/main" val="2469892683"/>
               </p:ext>
             </p:extLst>
           </p:nvPr>
@@ -4747,7 +4747,7 @@
           <a:graphicData uri="http://schemas.openxmlformats.org/presentationml/2006/ole">
             <mc:AlternateContent xmlns:mc="http://schemas.openxmlformats.org/markup-compatibility/2006">
               <mc:Choice xmlns:v="urn:schemas-microsoft-com:vml" Requires="v">
-                <p:oleObj spid="_x0000_s6416" name="Worksheet" r:id="rId3" imgW="13087198" imgH="5495899" progId="Excel.Sheet.12">
+                <p:oleObj spid="_x0000_s6455" name="Worksheet" r:id="rId3" imgW="13087198" imgH="5495899" progId="Excel.Sheet.12">
                   <p:embed/>
                 </p:oleObj>
               </mc:Choice>
@@ -4938,25 +4938,25 @@
           <p:nvPr>
             <p:extLst>
               <p:ext uri="{D42A27DB-BD31-4B8C-83A1-F6EECF244321}">
-                <p14:modId xmlns:p14="http://schemas.microsoft.com/office/powerpoint/2010/main" val="3246540333"/>
+                <p14:modId xmlns:p14="http://schemas.microsoft.com/office/powerpoint/2010/main" val="3525170047"/>
               </p:ext>
             </p:extLst>
           </p:nvPr>
         </p:nvGraphicFramePr>
         <p:xfrm>
-          <a:off x="344488" y="819150"/>
-          <a:ext cx="11075987" cy="6056313"/>
+          <a:off x="344488" y="1052513"/>
+          <a:ext cx="11075987" cy="5167312"/>
         </p:xfrm>
         <a:graphic>
           <a:graphicData uri="http://schemas.openxmlformats.org/presentationml/2006/ole">
             <mc:AlternateContent xmlns:mc="http://schemas.openxmlformats.org/markup-compatibility/2006">
               <mc:Choice xmlns:v="urn:schemas-microsoft-com:vml" Requires="v">
-                <p:oleObj spid="_x0000_s7358" name="Worksheet" r:id="rId3" imgW="13230171" imgH="8115261" progId="Excel.Sheet.12">
+                <p:oleObj spid="_x0000_s7397" name="Worksheet" r:id="rId3" imgW="13230171" imgH="6924611" progId="Excel.Sheet.12">
                   <p:embed/>
                 </p:oleObj>
               </mc:Choice>
               <mc:Fallback>
-                <p:oleObj name="Worksheet" r:id="rId3" imgW="13230171" imgH="8115261" progId="Excel.Sheet.12">
+                <p:oleObj name="Worksheet" r:id="rId3" imgW="13230171" imgH="6924611" progId="Excel.Sheet.12">
                   <p:embed/>
                   <p:pic>
                     <p:nvPicPr>
@@ -4975,8 +4975,8 @@
                     </p:blipFill>
                     <p:spPr bwMode="auto">
                       <a:xfrm>
-                        <a:off x="344488" y="819150"/>
-                        <a:ext cx="11075987" cy="6056313"/>
+                        <a:off x="344488" y="1052513"/>
+                        <a:ext cx="11075987" cy="5167312"/>
                       </a:xfrm>
                       <a:prstGeom prst="rect">
                         <a:avLst/>

--- a/SCRM Automation Status_20200310_v1.5.pptx
+++ b/SCRM Automation Status_20200310_v1.5.pptx
@@ -240,7 +240,7 @@
           <a:p>
             <a:fld id="{ABB6C95C-B648-2D4B-A96A-72AA69FD4147}" type="datetimeFigureOut">
               <a:rPr lang="en-US" smtClean="0"/>
-              <a:t>3/31/2020</a:t>
+              <a:t>4/2/2020</a:t>
             </a:fld>
             <a:endParaRPr lang="en-US" dirty="0"/>
           </a:p>
@@ -401,7 +401,7 @@
           <a:p>
             <a:fld id="{2A382978-60B3-41E0-9AD0-2E9E6E8B7873}" type="datetimeFigureOut">
               <a:rPr kumimoji="1" lang="ja-JP" altLang="en-US" smtClean="0"/>
-              <a:t>2020/3/31</a:t>
+              <a:t>2020/4/2</a:t>
             </a:fld>
             <a:endParaRPr kumimoji="1" lang="ja-JP" altLang="en-US" dirty="0"/>
           </a:p>
@@ -4747,7 +4747,7 @@
           <a:graphicData uri="http://schemas.openxmlformats.org/presentationml/2006/ole">
             <mc:AlternateContent xmlns:mc="http://schemas.openxmlformats.org/markup-compatibility/2006">
               <mc:Choice xmlns:v="urn:schemas-microsoft-com:vml" Requires="v">
-                <p:oleObj spid="_x0000_s6455" name="Worksheet" r:id="rId3" imgW="13087198" imgH="5495899" progId="Excel.Sheet.12">
+                <p:oleObj spid="_x0000_s6463" name="Worksheet" r:id="rId3" imgW="13087198" imgH="5495899" progId="Excel.Sheet.12">
                   <p:embed/>
                 </p:oleObj>
               </mc:Choice>
@@ -4938,20 +4938,20 @@
           <p:nvPr>
             <p:extLst>
               <p:ext uri="{D42A27DB-BD31-4B8C-83A1-F6EECF244321}">
-                <p14:modId xmlns:p14="http://schemas.microsoft.com/office/powerpoint/2010/main" val="3525170047"/>
+                <p14:modId xmlns:p14="http://schemas.microsoft.com/office/powerpoint/2010/main" val="631801537"/>
               </p:ext>
             </p:extLst>
           </p:nvPr>
         </p:nvGraphicFramePr>
         <p:xfrm>
-          <a:off x="344488" y="1052513"/>
-          <a:ext cx="11075987" cy="5167312"/>
+          <a:off x="344488" y="1141413"/>
+          <a:ext cx="11075987" cy="5168900"/>
         </p:xfrm>
         <a:graphic>
           <a:graphicData uri="http://schemas.openxmlformats.org/presentationml/2006/ole">
             <mc:AlternateContent xmlns:mc="http://schemas.openxmlformats.org/markup-compatibility/2006">
               <mc:Choice xmlns:v="urn:schemas-microsoft-com:vml" Requires="v">
-                <p:oleObj spid="_x0000_s7397" name="Worksheet" r:id="rId3" imgW="13230171" imgH="6924611" progId="Excel.Sheet.12">
+                <p:oleObj spid="_x0000_s7407" name="Worksheet" r:id="rId3" imgW="13230171" imgH="6924611" progId="Excel.Sheet.12">
                   <p:embed/>
                 </p:oleObj>
               </mc:Choice>
@@ -4975,8 +4975,8 @@
                     </p:blipFill>
                     <p:spPr bwMode="auto">
                       <a:xfrm>
-                        <a:off x="344488" y="1052513"/>
-                        <a:ext cx="11075987" cy="5167312"/>
+                        <a:off x="344488" y="1141413"/>
+                        <a:ext cx="11075987" cy="5168900"/>
                       </a:xfrm>
                       <a:prstGeom prst="rect">
                         <a:avLst/>

--- a/SCRM Automation Status_20200310_v1.5.pptx
+++ b/SCRM Automation Status_20200310_v1.5.pptx
@@ -240,7 +240,7 @@
           <a:p>
             <a:fld id="{ABB6C95C-B648-2D4B-A96A-72AA69FD4147}" type="datetimeFigureOut">
               <a:rPr lang="en-US" smtClean="0"/>
-              <a:t>4/2/2020</a:t>
+              <a:t>4/20/2020</a:t>
             </a:fld>
             <a:endParaRPr lang="en-US" dirty="0"/>
           </a:p>
@@ -401,7 +401,7 @@
           <a:p>
             <a:fld id="{2A382978-60B3-41E0-9AD0-2E9E6E8B7873}" type="datetimeFigureOut">
               <a:rPr kumimoji="1" lang="ja-JP" altLang="en-US" smtClean="0"/>
-              <a:t>2020/4/2</a:t>
+              <a:t>2020/4/20</a:t>
             </a:fld>
             <a:endParaRPr kumimoji="1" lang="ja-JP" altLang="en-US" dirty="0"/>
           </a:p>
@@ -4734,7 +4734,7 @@
           <p:nvPr>
             <p:extLst>
               <p:ext uri="{D42A27DB-BD31-4B8C-83A1-F6EECF244321}">
-                <p14:modId xmlns:p14="http://schemas.microsoft.com/office/powerpoint/2010/main" val="2469892683"/>
+                <p14:modId xmlns:p14="http://schemas.microsoft.com/office/powerpoint/2010/main" val="3712222507"/>
               </p:ext>
             </p:extLst>
           </p:nvPr>
@@ -4747,7 +4747,7 @@
           <a:graphicData uri="http://schemas.openxmlformats.org/presentationml/2006/ole">
             <mc:AlternateContent xmlns:mc="http://schemas.openxmlformats.org/markup-compatibility/2006">
               <mc:Choice xmlns:v="urn:schemas-microsoft-com:vml" Requires="v">
-                <p:oleObj spid="_x0000_s6463" name="Worksheet" r:id="rId3" imgW="13087198" imgH="5495899" progId="Excel.Sheet.12">
+                <p:oleObj spid="_x0000_s6488" name="Worksheet" r:id="rId3" imgW="13087198" imgH="5495899" progId="Excel.Sheet.12">
                   <p:embed/>
                 </p:oleObj>
               </mc:Choice>
@@ -4938,25 +4938,25 @@
           <p:nvPr>
             <p:extLst>
               <p:ext uri="{D42A27DB-BD31-4B8C-83A1-F6EECF244321}">
-                <p14:modId xmlns:p14="http://schemas.microsoft.com/office/powerpoint/2010/main" val="631801537"/>
+                <p14:modId xmlns:p14="http://schemas.microsoft.com/office/powerpoint/2010/main" val="2856910207"/>
               </p:ext>
             </p:extLst>
           </p:nvPr>
         </p:nvGraphicFramePr>
         <p:xfrm>
-          <a:off x="344488" y="1141413"/>
-          <a:ext cx="11075987" cy="5168900"/>
+          <a:off x="666750" y="908050"/>
+          <a:ext cx="10429875" cy="5343525"/>
         </p:xfrm>
         <a:graphic>
           <a:graphicData uri="http://schemas.openxmlformats.org/presentationml/2006/ole">
             <mc:AlternateContent xmlns:mc="http://schemas.openxmlformats.org/markup-compatibility/2006">
               <mc:Choice xmlns:v="urn:schemas-microsoft-com:vml" Requires="v">
-                <p:oleObj spid="_x0000_s7407" name="Worksheet" r:id="rId3" imgW="13230171" imgH="6924611" progId="Excel.Sheet.12">
+                <p:oleObj spid="_x0000_s7432" name="Worksheet" r:id="rId3" imgW="12458743" imgH="7162671" progId="Excel.Sheet.12">
                   <p:embed/>
                 </p:oleObj>
               </mc:Choice>
               <mc:Fallback>
-                <p:oleObj name="Worksheet" r:id="rId3" imgW="13230171" imgH="6924611" progId="Excel.Sheet.12">
+                <p:oleObj name="Worksheet" r:id="rId3" imgW="12458743" imgH="7162671" progId="Excel.Sheet.12">
                   <p:embed/>
                   <p:pic>
                     <p:nvPicPr>
@@ -4975,8 +4975,8 @@
                     </p:blipFill>
                     <p:spPr bwMode="auto">
                       <a:xfrm>
-                        <a:off x="344488" y="1141413"/>
-                        <a:ext cx="11075987" cy="5168900"/>
+                        <a:off x="666750" y="908050"/>
+                        <a:ext cx="10429875" cy="5343525"/>
                       </a:xfrm>
                       <a:prstGeom prst="rect">
                         <a:avLst/>

--- a/SCRM Automation Status_20200310_v1.5.pptx
+++ b/SCRM Automation Status_20200310_v1.5.pptx
@@ -240,7 +240,7 @@
           <a:p>
             <a:fld id="{ABB6C95C-B648-2D4B-A96A-72AA69FD4147}" type="datetimeFigureOut">
               <a:rPr lang="en-US" smtClean="0"/>
-              <a:t>4/20/2020</a:t>
+              <a:t>4/21/2020</a:t>
             </a:fld>
             <a:endParaRPr lang="en-US" dirty="0"/>
           </a:p>
@@ -401,7 +401,7 @@
           <a:p>
             <a:fld id="{2A382978-60B3-41E0-9AD0-2E9E6E8B7873}" type="datetimeFigureOut">
               <a:rPr kumimoji="1" lang="ja-JP" altLang="en-US" smtClean="0"/>
-              <a:t>2020/4/20</a:t>
+              <a:t>2020/4/21</a:t>
             </a:fld>
             <a:endParaRPr kumimoji="1" lang="ja-JP" altLang="en-US" dirty="0"/>
           </a:p>
@@ -4747,7 +4747,7 @@
           <a:graphicData uri="http://schemas.openxmlformats.org/presentationml/2006/ole">
             <mc:AlternateContent xmlns:mc="http://schemas.openxmlformats.org/markup-compatibility/2006">
               <mc:Choice xmlns:v="urn:schemas-microsoft-com:vml" Requires="v">
-                <p:oleObj spid="_x0000_s6488" name="Worksheet" r:id="rId3" imgW="13087198" imgH="5495899" progId="Excel.Sheet.12">
+                <p:oleObj spid="_x0000_s6508" name="Worksheet" r:id="rId3" imgW="13087198" imgH="5495899" progId="Excel.Sheet.12">
                   <p:embed/>
                 </p:oleObj>
               </mc:Choice>
@@ -4938,25 +4938,25 @@
           <p:nvPr>
             <p:extLst>
               <p:ext uri="{D42A27DB-BD31-4B8C-83A1-F6EECF244321}">
-                <p14:modId xmlns:p14="http://schemas.microsoft.com/office/powerpoint/2010/main" val="2856910207"/>
+                <p14:modId xmlns:p14="http://schemas.microsoft.com/office/powerpoint/2010/main" val="1813651301"/>
               </p:ext>
             </p:extLst>
           </p:nvPr>
         </p:nvGraphicFramePr>
         <p:xfrm>
-          <a:off x="666750" y="908050"/>
-          <a:ext cx="10429875" cy="5343525"/>
+          <a:off x="1508125" y="909638"/>
+          <a:ext cx="8747125" cy="5341937"/>
         </p:xfrm>
         <a:graphic>
           <a:graphicData uri="http://schemas.openxmlformats.org/presentationml/2006/ole">
             <mc:AlternateContent xmlns:mc="http://schemas.openxmlformats.org/markup-compatibility/2006">
               <mc:Choice xmlns:v="urn:schemas-microsoft-com:vml" Requires="v">
-                <p:oleObj spid="_x0000_s7432" name="Worksheet" r:id="rId3" imgW="12458743" imgH="7162671" progId="Excel.Sheet.12">
+                <p:oleObj spid="_x0000_s7452" name="Worksheet" r:id="rId3" imgW="10448798" imgH="7162671" progId="Excel.Sheet.12">
                   <p:embed/>
                 </p:oleObj>
               </mc:Choice>
               <mc:Fallback>
-                <p:oleObj name="Worksheet" r:id="rId3" imgW="12458743" imgH="7162671" progId="Excel.Sheet.12">
+                <p:oleObj name="Worksheet" r:id="rId3" imgW="10448798" imgH="7162671" progId="Excel.Sheet.12">
                   <p:embed/>
                   <p:pic>
                     <p:nvPicPr>
@@ -4975,8 +4975,8 @@
                     </p:blipFill>
                     <p:spPr bwMode="auto">
                       <a:xfrm>
-                        <a:off x="666750" y="908050"/>
-                        <a:ext cx="10429875" cy="5343525"/>
+                        <a:off x="1508125" y="909638"/>
+                        <a:ext cx="8747125" cy="5341937"/>
                       </a:xfrm>
                       <a:prstGeom prst="rect">
                         <a:avLst/>

--- a/SCRM Automation Status_20200310_v1.5.pptx
+++ b/SCRM Automation Status_20200310_v1.5.pptx
@@ -240,7 +240,7 @@
           <a:p>
             <a:fld id="{ABB6C95C-B648-2D4B-A96A-72AA69FD4147}" type="datetimeFigureOut">
               <a:rPr lang="en-US" smtClean="0"/>
-              <a:t>4/21/2020</a:t>
+              <a:t>5/19/2020</a:t>
             </a:fld>
             <a:endParaRPr lang="en-US" dirty="0"/>
           </a:p>
@@ -401,7 +401,7 @@
           <a:p>
             <a:fld id="{2A382978-60B3-41E0-9AD0-2E9E6E8B7873}" type="datetimeFigureOut">
               <a:rPr kumimoji="1" lang="ja-JP" altLang="en-US" smtClean="0"/>
-              <a:t>2020/4/21</a:t>
+              <a:t>2020/5/19</a:t>
             </a:fld>
             <a:endParaRPr kumimoji="1" lang="ja-JP" altLang="en-US" dirty="0"/>
           </a:p>
@@ -4747,7 +4747,7 @@
           <a:graphicData uri="http://schemas.openxmlformats.org/presentationml/2006/ole">
             <mc:AlternateContent xmlns:mc="http://schemas.openxmlformats.org/markup-compatibility/2006">
               <mc:Choice xmlns:v="urn:schemas-microsoft-com:vml" Requires="v">
-                <p:oleObj spid="_x0000_s6508" name="Worksheet" r:id="rId3" imgW="13087198" imgH="5495899" progId="Excel.Sheet.12">
+                <p:oleObj spid="_x0000_s6555" name="Worksheet" r:id="rId3" imgW="13087198" imgH="5495899" progId="Excel.Sheet.12">
                   <p:embed/>
                 </p:oleObj>
               </mc:Choice>
@@ -4938,25 +4938,25 @@
           <p:nvPr>
             <p:extLst>
               <p:ext uri="{D42A27DB-BD31-4B8C-83A1-F6EECF244321}">
-                <p14:modId xmlns:p14="http://schemas.microsoft.com/office/powerpoint/2010/main" val="1813651301"/>
+                <p14:modId xmlns:p14="http://schemas.microsoft.com/office/powerpoint/2010/main" val="1842732966"/>
               </p:ext>
             </p:extLst>
           </p:nvPr>
         </p:nvGraphicFramePr>
         <p:xfrm>
-          <a:off x="1508125" y="909638"/>
-          <a:ext cx="8747125" cy="5341937"/>
+          <a:off x="407368" y="838200"/>
+          <a:ext cx="11276012" cy="5924550"/>
         </p:xfrm>
         <a:graphic>
           <a:graphicData uri="http://schemas.openxmlformats.org/presentationml/2006/ole">
             <mc:AlternateContent xmlns:mc="http://schemas.openxmlformats.org/markup-compatibility/2006">
               <mc:Choice xmlns:v="urn:schemas-microsoft-com:vml" Requires="v">
-                <p:oleObj spid="_x0000_s7452" name="Worksheet" r:id="rId3" imgW="10448798" imgH="7162671" progId="Excel.Sheet.12">
+                <p:oleObj spid="_x0000_s7499" name="Worksheet" r:id="rId3" imgW="13468227" imgH="7401079" progId="Excel.Sheet.12">
                   <p:embed/>
                 </p:oleObj>
               </mc:Choice>
               <mc:Fallback>
-                <p:oleObj name="Worksheet" r:id="rId3" imgW="10448798" imgH="7162671" progId="Excel.Sheet.12">
+                <p:oleObj name="Worksheet" r:id="rId3" imgW="13468227" imgH="7401079" progId="Excel.Sheet.12">
                   <p:embed/>
                   <p:pic>
                     <p:nvPicPr>
@@ -4975,8 +4975,8 @@
                     </p:blipFill>
                     <p:spPr bwMode="auto">
                       <a:xfrm>
-                        <a:off x="1508125" y="909638"/>
-                        <a:ext cx="8747125" cy="5341937"/>
+                        <a:off x="407368" y="838200"/>
+                        <a:ext cx="11276012" cy="5924550"/>
                       </a:xfrm>
                       <a:prstGeom prst="rect">
                         <a:avLst/>

--- a/SCRM Automation Status_20200310_v1.5.pptx
+++ b/SCRM Automation Status_20200310_v1.5.pptx
@@ -5,14 +5,15 @@
     <p:sldMasterId id="2147483648" r:id="rId1"/>
   </p:sldMasterIdLst>
   <p:notesMasterIdLst>
-    <p:notesMasterId r:id="rId4"/>
+    <p:notesMasterId r:id="rId5"/>
   </p:notesMasterIdLst>
   <p:handoutMasterIdLst>
-    <p:handoutMasterId r:id="rId5"/>
+    <p:handoutMasterId r:id="rId6"/>
   </p:handoutMasterIdLst>
   <p:sldIdLst>
     <p:sldId id="2170" r:id="rId2"/>
     <p:sldId id="2171" r:id="rId3"/>
+    <p:sldId id="2172" r:id="rId4"/>
   </p:sldIdLst>
   <p:sldSz cx="12192000" cy="6858000"/>
   <p:notesSz cx="6805613" cy="9939338"/>
@@ -240,7 +241,7 @@
           <a:p>
             <a:fld id="{ABB6C95C-B648-2D4B-A96A-72AA69FD4147}" type="datetimeFigureOut">
               <a:rPr lang="en-US" smtClean="0"/>
-              <a:t>5/19/2020</a:t>
+              <a:t>6/4/2020</a:t>
             </a:fld>
             <a:endParaRPr lang="en-US" dirty="0"/>
           </a:p>
@@ -401,7 +402,7 @@
           <a:p>
             <a:fld id="{2A382978-60B3-41E0-9AD0-2E9E6E8B7873}" type="datetimeFigureOut">
               <a:rPr kumimoji="1" lang="ja-JP" altLang="en-US" smtClean="0"/>
-              <a:t>2020/5/19</a:t>
+              <a:t>2020/6/4</a:t>
             </a:fld>
             <a:endParaRPr kumimoji="1" lang="ja-JP" altLang="en-US" dirty="0"/>
           </a:p>
@@ -4734,25 +4735,25 @@
           <p:nvPr>
             <p:extLst>
               <p:ext uri="{D42A27DB-BD31-4B8C-83A1-F6EECF244321}">
-                <p14:modId xmlns:p14="http://schemas.microsoft.com/office/powerpoint/2010/main" val="3712222507"/>
+                <p14:modId xmlns:p14="http://schemas.microsoft.com/office/powerpoint/2010/main" val="4129688550"/>
               </p:ext>
             </p:extLst>
           </p:nvPr>
         </p:nvGraphicFramePr>
         <p:xfrm>
-          <a:off x="119063" y="1143000"/>
-          <a:ext cx="12015787" cy="5187950"/>
+          <a:off x="119063" y="1143001"/>
+          <a:ext cx="11809585" cy="4550258"/>
         </p:xfrm>
         <a:graphic>
           <a:graphicData uri="http://schemas.openxmlformats.org/presentationml/2006/ole">
             <mc:AlternateContent xmlns:mc="http://schemas.openxmlformats.org/markup-compatibility/2006">
               <mc:Choice xmlns:v="urn:schemas-microsoft-com:vml" Requires="v">
-                <p:oleObj spid="_x0000_s6555" name="Worksheet" r:id="rId3" imgW="13087198" imgH="5495899" progId="Excel.Sheet.12">
+                <p:oleObj spid="_x0000_s6488" name="Worksheet" r:id="rId3" imgW="13363687" imgH="5010193" progId="Excel.Sheet.12">
                   <p:embed/>
                 </p:oleObj>
               </mc:Choice>
               <mc:Fallback>
-                <p:oleObj name="Worksheet" r:id="rId3" imgW="13087198" imgH="5495899" progId="Excel.Sheet.12">
+                <p:oleObj name="Worksheet" r:id="rId3" imgW="13363687" imgH="5010193" progId="Excel.Sheet.12">
                   <p:embed/>
                   <p:pic>
                     <p:nvPicPr>
@@ -4771,8 +4772,8 @@
                     </p:blipFill>
                     <p:spPr bwMode="auto">
                       <a:xfrm>
-                        <a:off x="119063" y="1143000"/>
-                        <a:ext cx="12015787" cy="5187950"/>
+                        <a:off x="119063" y="1143001"/>
+                        <a:ext cx="11809585" cy="4550258"/>
                       </a:xfrm>
                       <a:prstGeom prst="rect">
                         <a:avLst/>
@@ -4830,8 +4831,8 @@
         </p:nvSpPr>
         <p:spPr>
           <a:xfrm>
-            <a:off x="119336" y="2278931"/>
-            <a:ext cx="12017420" cy="690862"/>
+            <a:off x="119063" y="2204864"/>
+            <a:ext cx="11809312" cy="423828"/>
           </a:xfrm>
           <a:prstGeom prst="rect">
             <a:avLst/>
@@ -4871,8 +4872,8 @@
         </p:nvSpPr>
         <p:spPr>
           <a:xfrm>
-            <a:off x="119336" y="5618458"/>
-            <a:ext cx="12017420" cy="690862"/>
+            <a:off x="133899" y="5204468"/>
+            <a:ext cx="11794476" cy="510531"/>
           </a:xfrm>
           <a:prstGeom prst="rect">
             <a:avLst/>
@@ -4938,25 +4939,25 @@
           <p:nvPr>
             <p:extLst>
               <p:ext uri="{D42A27DB-BD31-4B8C-83A1-F6EECF244321}">
-                <p14:modId xmlns:p14="http://schemas.microsoft.com/office/powerpoint/2010/main" val="1842732966"/>
+                <p14:modId xmlns:p14="http://schemas.microsoft.com/office/powerpoint/2010/main" val="1785881432"/>
               </p:ext>
             </p:extLst>
           </p:nvPr>
         </p:nvGraphicFramePr>
         <p:xfrm>
-          <a:off x="407368" y="838200"/>
-          <a:ext cx="11276012" cy="5924550"/>
+          <a:off x="211137" y="1412776"/>
+          <a:ext cx="11769725" cy="4454525"/>
         </p:xfrm>
         <a:graphic>
           <a:graphicData uri="http://schemas.openxmlformats.org/presentationml/2006/ole">
             <mc:AlternateContent xmlns:mc="http://schemas.openxmlformats.org/markup-compatibility/2006">
               <mc:Choice xmlns:v="urn:schemas-microsoft-com:vml" Requires="v">
-                <p:oleObj spid="_x0000_s7499" name="Worksheet" r:id="rId3" imgW="13468227" imgH="7401079" progId="Excel.Sheet.12">
+                <p:oleObj spid="_x0000_s7432" name="Worksheet" r:id="rId3" imgW="14059092" imgH="5972239" progId="Excel.Sheet.12">
                   <p:embed/>
                 </p:oleObj>
               </mc:Choice>
               <mc:Fallback>
-                <p:oleObj name="Worksheet" r:id="rId3" imgW="13468227" imgH="7401079" progId="Excel.Sheet.12">
+                <p:oleObj name="Worksheet" r:id="rId3" imgW="14059092" imgH="5972239" progId="Excel.Sheet.12">
                   <p:embed/>
                   <p:pic>
                     <p:nvPicPr>
@@ -4975,8 +4976,8 @@
                     </p:blipFill>
                     <p:spPr bwMode="auto">
                       <a:xfrm>
-                        <a:off x="407368" y="838200"/>
-                        <a:ext cx="11276012" cy="5924550"/>
+                        <a:off x="211137" y="1412776"/>
+                        <a:ext cx="11769725" cy="4454525"/>
                       </a:xfrm>
                       <a:prstGeom prst="rect">
                         <a:avLst/>
@@ -5027,6 +5028,141 @@
         </p:txBody>
       </p:sp>
     </p:spTree>
+  </p:cSld>
+  <p:clrMapOvr>
+    <a:masterClrMapping/>
+  </p:clrMapOvr>
+</p:sld>
+</file>
+
+<file path=ppt/slides/slide3.xml><?xml version="1.0" encoding="utf-8"?>
+<p:sld xmlns:a="http://schemas.openxmlformats.org/drawingml/2006/main" xmlns:r="http://schemas.openxmlformats.org/officeDocument/2006/relationships" xmlns:p="http://schemas.openxmlformats.org/presentationml/2006/main">
+  <p:cSld>
+    <p:spTree>
+      <p:nvGrpSpPr>
+        <p:cNvPr id="1" name=""/>
+        <p:cNvGrpSpPr/>
+        <p:nvPr/>
+      </p:nvGrpSpPr>
+      <p:grpSpPr>
+        <a:xfrm>
+          <a:off x="0" y="0"/>
+          <a:ext cx="0" cy="0"/>
+          <a:chOff x="0" y="0"/>
+          <a:chExt cx="0" cy="0"/>
+        </a:xfrm>
+      </p:grpSpPr>
+      <p:graphicFrame>
+        <p:nvGraphicFramePr>
+          <p:cNvPr id="10" name="Object 9"/>
+          <p:cNvGraphicFramePr>
+            <a:graphicFrameLocks noChangeAspect="1"/>
+          </p:cNvGraphicFramePr>
+          <p:nvPr>
+            <p:extLst>
+              <p:ext uri="{D42A27DB-BD31-4B8C-83A1-F6EECF244321}">
+                <p14:modId xmlns:p14="http://schemas.microsoft.com/office/powerpoint/2010/main" val="349303998"/>
+              </p:ext>
+            </p:extLst>
+          </p:nvPr>
+        </p:nvGraphicFramePr>
+        <p:xfrm>
+          <a:off x="282575" y="1912144"/>
+          <a:ext cx="11626850" cy="3033712"/>
+        </p:xfrm>
+        <a:graphic>
+          <a:graphicData uri="http://schemas.openxmlformats.org/presentationml/2006/ole">
+            <mc:AlternateContent xmlns:mc="http://schemas.openxmlformats.org/markup-compatibility/2006">
+              <mc:Choice xmlns:v="urn:schemas-microsoft-com:vml" Requires="v">
+                <p:oleObj spid="_x0000_s8201" name="Worksheet" r:id="rId3" imgW="12411251" imgH="4067025" progId="Excel.Sheet.12">
+                  <p:embed/>
+                </p:oleObj>
+              </mc:Choice>
+              <mc:Fallback>
+                <p:oleObj name="Worksheet" r:id="rId3" imgW="12411251" imgH="4067025" progId="Excel.Sheet.12">
+                  <p:embed/>
+                  <p:pic>
+                    <p:nvPicPr>
+                      <p:cNvPr id="10" name="Object 9"/>
+                      <p:cNvPicPr>
+                        <a:picLocks noChangeAspect="1" noChangeArrowheads="1"/>
+                      </p:cNvPicPr>
+                      <p:nvPr/>
+                    </p:nvPicPr>
+                    <p:blipFill>
+                      <a:blip r:embed="rId4"/>
+                      <a:srcRect/>
+                      <a:stretch>
+                        <a:fillRect/>
+                      </a:stretch>
+                    </p:blipFill>
+                    <p:spPr bwMode="auto">
+                      <a:xfrm>
+                        <a:off x="282575" y="1912144"/>
+                        <a:ext cx="11626850" cy="3033712"/>
+                      </a:xfrm>
+                      <a:prstGeom prst="rect">
+                        <a:avLst/>
+                      </a:prstGeom>
+                      <a:noFill/>
+                    </p:spPr>
+                  </p:pic>
+                </p:oleObj>
+              </mc:Fallback>
+            </mc:AlternateContent>
+          </a:graphicData>
+        </a:graphic>
+      </p:graphicFrame>
+      <p:sp>
+        <p:nvSpPr>
+          <p:cNvPr id="9" name="Title 2"/>
+          <p:cNvSpPr>
+            <a:spLocks noGrp="1"/>
+          </p:cNvSpPr>
+          <p:nvPr>
+            <p:ph type="title"/>
+          </p:nvPr>
+        </p:nvSpPr>
+        <p:spPr>
+          <a:xfrm>
+            <a:off x="345018" y="332077"/>
+            <a:ext cx="10727601" cy="423828"/>
+          </a:xfrm>
+        </p:spPr>
+        <p:txBody>
+          <a:bodyPr/>
+          <a:lstStyle/>
+          <a:p>
+            <a:r>
+              <a:rPr lang="en-US" altLang="zh-CN" dirty="0"/>
+              <a:t>3</a:t>
+            </a:r>
+            <a:r>
+              <a:rPr lang="en-US" dirty="0"/>
+              <a:t>. Automation Implementation</a:t>
+            </a:r>
+            <a:r>
+              <a:rPr lang="ja-JP" altLang="en-US" dirty="0"/>
+              <a:t> </a:t>
+            </a:r>
+            <a:r>
+              <a:rPr lang="en-US" altLang="ja-JP" dirty="0"/>
+              <a:t>Status Wave</a:t>
+            </a:r>
+            <a:r>
+              <a:rPr lang="en-US" altLang="zh-CN" dirty="0"/>
+              <a:t>3</a:t>
+            </a:r>
+            <a:endParaRPr lang="en-US" dirty="0"/>
+          </a:p>
+        </p:txBody>
+      </p:sp>
+    </p:spTree>
+    <p:extLst>
+      <p:ext uri="{BB962C8B-B14F-4D97-AF65-F5344CB8AC3E}">
+        <p14:creationId xmlns:p14="http://schemas.microsoft.com/office/powerpoint/2010/main" val="2014821725"/>
+      </p:ext>
+    </p:extLst>
   </p:cSld>
   <p:clrMapOvr>
     <a:masterClrMapping/>

--- a/SCRM Automation Status_20200310_v1.5.pptx
+++ b/SCRM Automation Status_20200310_v1.5.pptx
@@ -241,7 +241,7 @@
           <a:p>
             <a:fld id="{ABB6C95C-B648-2D4B-A96A-72AA69FD4147}" type="datetimeFigureOut">
               <a:rPr lang="en-US" smtClean="0"/>
-              <a:t>6/4/2020</a:t>
+              <a:t>6/8/2020</a:t>
             </a:fld>
             <a:endParaRPr lang="en-US" dirty="0"/>
           </a:p>
@@ -402,7 +402,7 @@
           <a:p>
             <a:fld id="{2A382978-60B3-41E0-9AD0-2E9E6E8B7873}" type="datetimeFigureOut">
               <a:rPr kumimoji="1" lang="ja-JP" altLang="en-US" smtClean="0"/>
-              <a:t>2020/6/4</a:t>
+              <a:t>2020/6/8</a:t>
             </a:fld>
             <a:endParaRPr kumimoji="1" lang="ja-JP" altLang="en-US" dirty="0"/>
           </a:p>
@@ -697,6 +697,90 @@
     </a:lvl9pPr>
   </p:notesStyle>
 </p:notesMaster>
+</file>
+
+<file path=ppt/notesSlides/notesSlide1.xml><?xml version="1.0" encoding="utf-8"?>
+<p:notes xmlns:a="http://schemas.openxmlformats.org/drawingml/2006/main" xmlns:r="http://schemas.openxmlformats.org/officeDocument/2006/relationships" xmlns:p="http://schemas.openxmlformats.org/presentationml/2006/main">
+  <p:cSld>
+    <p:spTree>
+      <p:nvGrpSpPr>
+        <p:cNvPr id="1" name=""/>
+        <p:cNvGrpSpPr/>
+        <p:nvPr/>
+      </p:nvGrpSpPr>
+      <p:grpSpPr>
+        <a:xfrm>
+          <a:off x="0" y="0"/>
+          <a:ext cx="0" cy="0"/>
+          <a:chOff x="0" y="0"/>
+          <a:chExt cx="0" cy="0"/>
+        </a:xfrm>
+      </p:grpSpPr>
+      <p:sp>
+        <p:nvSpPr>
+          <p:cNvPr id="2" name="スライド イメージ プレースホルダー 1"/>
+          <p:cNvSpPr>
+            <a:spLocks noGrp="1" noRot="1" noChangeAspect="1"/>
+          </p:cNvSpPr>
+          <p:nvPr>
+            <p:ph type="sldImg"/>
+          </p:nvPr>
+        </p:nvSpPr>
+        <p:spPr/>
+      </p:sp>
+      <p:sp>
+        <p:nvSpPr>
+          <p:cNvPr id="3" name="ノート プレースホルダー 2"/>
+          <p:cNvSpPr>
+            <a:spLocks noGrp="1"/>
+          </p:cNvSpPr>
+          <p:nvPr>
+            <p:ph type="body" idx="1"/>
+          </p:nvPr>
+        </p:nvSpPr>
+        <p:spPr/>
+        <p:txBody>
+          <a:bodyPr/>
+          <a:lstStyle/>
+          <a:p>
+            <a:endParaRPr kumimoji="1" lang="ja-JP" altLang="en-US" dirty="0"/>
+          </a:p>
+        </p:txBody>
+      </p:sp>
+      <p:sp>
+        <p:nvSpPr>
+          <p:cNvPr id="4" name="スライド番号プレースホルダー 3"/>
+          <p:cNvSpPr>
+            <a:spLocks noGrp="1"/>
+          </p:cNvSpPr>
+          <p:nvPr>
+            <p:ph type="sldNum" sz="quarter" idx="5"/>
+          </p:nvPr>
+        </p:nvSpPr>
+        <p:spPr/>
+        <p:txBody>
+          <a:bodyPr/>
+          <a:lstStyle/>
+          <a:p>
+            <a:fld id="{CEDB620F-9065-4E0D-8D9D-4F204AB69C9B}" type="slidenum">
+              <a:rPr kumimoji="1" lang="ja-JP" altLang="en-US" smtClean="0"/>
+              <a:t>2</a:t>
+            </a:fld>
+            <a:endParaRPr kumimoji="1" lang="ja-JP" altLang="en-US" dirty="0"/>
+          </a:p>
+        </p:txBody>
+      </p:sp>
+    </p:spTree>
+    <p:extLst>
+      <p:ext uri="{BB962C8B-B14F-4D97-AF65-F5344CB8AC3E}">
+        <p14:creationId xmlns:p14="http://schemas.microsoft.com/office/powerpoint/2010/main" val="2798137431"/>
+      </p:ext>
+    </p:extLst>
+  </p:cSld>
+  <p:clrMapOvr>
+    <a:masterClrMapping/>
+  </p:clrMapOvr>
+</p:notes>
 </file>
 
 <file path=ppt/slideLayouts/slideLayout1.xml><?xml version="1.0" encoding="utf-8"?>
@@ -4735,25 +4819,25 @@
           <p:nvPr>
             <p:extLst>
               <p:ext uri="{D42A27DB-BD31-4B8C-83A1-F6EECF244321}">
-                <p14:modId xmlns:p14="http://schemas.microsoft.com/office/powerpoint/2010/main" val="4129688550"/>
+                <p14:modId xmlns:p14="http://schemas.microsoft.com/office/powerpoint/2010/main" val="3813553562"/>
               </p:ext>
             </p:extLst>
           </p:nvPr>
         </p:nvGraphicFramePr>
         <p:xfrm>
-          <a:off x="119063" y="1143001"/>
-          <a:ext cx="11809585" cy="4550258"/>
+          <a:off x="148345" y="949324"/>
+          <a:ext cx="11809412" cy="4765675"/>
         </p:xfrm>
         <a:graphic>
           <a:graphicData uri="http://schemas.openxmlformats.org/presentationml/2006/ole">
             <mc:AlternateContent xmlns:mc="http://schemas.openxmlformats.org/markup-compatibility/2006">
               <mc:Choice xmlns:v="urn:schemas-microsoft-com:vml" Requires="v">
-                <p:oleObj spid="_x0000_s6488" name="Worksheet" r:id="rId3" imgW="13363687" imgH="5010193" progId="Excel.Sheet.12">
+                <p:oleObj spid="_x0000_s6499" name="Worksheet" r:id="rId3" imgW="13363687" imgH="5248296" progId="Excel.Sheet.12">
                   <p:embed/>
                 </p:oleObj>
               </mc:Choice>
               <mc:Fallback>
-                <p:oleObj name="Worksheet" r:id="rId3" imgW="13363687" imgH="5010193" progId="Excel.Sheet.12">
+                <p:oleObj name="Worksheet" r:id="rId3" imgW="13363687" imgH="5248296" progId="Excel.Sheet.12">
                   <p:embed/>
                   <p:pic>
                     <p:nvPicPr>
@@ -4772,8 +4856,8 @@
                     </p:blipFill>
                     <p:spPr bwMode="auto">
                       <a:xfrm>
-                        <a:off x="119063" y="1143001"/>
-                        <a:ext cx="11809585" cy="4550258"/>
+                        <a:off x="148345" y="949324"/>
+                        <a:ext cx="11809412" cy="4765675"/>
                       </a:xfrm>
                       <a:prstGeom prst="rect">
                         <a:avLst/>
@@ -4831,7 +4915,7 @@
         </p:nvSpPr>
         <p:spPr>
           <a:xfrm>
-            <a:off x="119063" y="2204864"/>
+            <a:off x="119063" y="2276872"/>
             <a:ext cx="11809312" cy="423828"/>
           </a:xfrm>
           <a:prstGeom prst="rect">
@@ -4872,8 +4956,8 @@
         </p:nvSpPr>
         <p:spPr>
           <a:xfrm>
-            <a:off x="133899" y="5204468"/>
-            <a:ext cx="11794476" cy="510531"/>
+            <a:off x="133899" y="5291171"/>
+            <a:ext cx="11794476" cy="423828"/>
           </a:xfrm>
           <a:prstGeom prst="rect">
             <a:avLst/>
@@ -4939,20 +5023,20 @@
           <p:nvPr>
             <p:extLst>
               <p:ext uri="{D42A27DB-BD31-4B8C-83A1-F6EECF244321}">
-                <p14:modId xmlns:p14="http://schemas.microsoft.com/office/powerpoint/2010/main" val="1785881432"/>
+                <p14:modId xmlns:p14="http://schemas.microsoft.com/office/powerpoint/2010/main" val="944491555"/>
               </p:ext>
             </p:extLst>
           </p:nvPr>
         </p:nvGraphicFramePr>
         <p:xfrm>
-          <a:off x="211137" y="1412776"/>
+          <a:off x="211137" y="1201737"/>
           <a:ext cx="11769725" cy="4454525"/>
         </p:xfrm>
         <a:graphic>
           <a:graphicData uri="http://schemas.openxmlformats.org/presentationml/2006/ole">
             <mc:AlternateContent xmlns:mc="http://schemas.openxmlformats.org/markup-compatibility/2006">
               <mc:Choice xmlns:v="urn:schemas-microsoft-com:vml" Requires="v">
-                <p:oleObj spid="_x0000_s7432" name="Worksheet" r:id="rId3" imgW="14059092" imgH="5972239" progId="Excel.Sheet.12">
+                <p:oleObj spid="_x0000_s7443" name="Worksheet" r:id="rId3" imgW="14059092" imgH="5972239" progId="Excel.Sheet.12">
                   <p:embed/>
                 </p:oleObj>
               </mc:Choice>
@@ -4976,7 +5060,7 @@
                     </p:blipFill>
                     <p:spPr bwMode="auto">
                       <a:xfrm>
-                        <a:off x="211137" y="1412776"/>
+                        <a:off x="211137" y="1201737"/>
                         <a:ext cx="11769725" cy="4454525"/>
                       </a:xfrm>
                       <a:prstGeom prst="rect">
@@ -5061,25 +5145,25 @@
           <p:nvPr>
             <p:extLst>
               <p:ext uri="{D42A27DB-BD31-4B8C-83A1-F6EECF244321}">
-                <p14:modId xmlns:p14="http://schemas.microsoft.com/office/powerpoint/2010/main" val="349303998"/>
+                <p14:modId xmlns:p14="http://schemas.microsoft.com/office/powerpoint/2010/main" val="529376359"/>
               </p:ext>
             </p:extLst>
           </p:nvPr>
         </p:nvGraphicFramePr>
         <p:xfrm>
-          <a:off x="282575" y="1912144"/>
-          <a:ext cx="11626850" cy="3033712"/>
+          <a:off x="251618" y="1340768"/>
+          <a:ext cx="11688763" cy="4095750"/>
         </p:xfrm>
         <a:graphic>
           <a:graphicData uri="http://schemas.openxmlformats.org/presentationml/2006/ole">
             <mc:AlternateContent xmlns:mc="http://schemas.openxmlformats.org/markup-compatibility/2006">
               <mc:Choice xmlns:v="urn:schemas-microsoft-com:vml" Requires="v">
-                <p:oleObj spid="_x0000_s8201" name="Worksheet" r:id="rId3" imgW="12411251" imgH="4067025" progId="Excel.Sheet.12">
+                <p:oleObj spid="_x0000_s8212" name="Worksheet" r:id="rId4" imgW="12477718" imgH="5496032" progId="Excel.Sheet.12">
                   <p:embed/>
                 </p:oleObj>
               </mc:Choice>
               <mc:Fallback>
-                <p:oleObj name="Worksheet" r:id="rId3" imgW="12411251" imgH="4067025" progId="Excel.Sheet.12">
+                <p:oleObj name="Worksheet" r:id="rId4" imgW="12477718" imgH="5496032" progId="Excel.Sheet.12">
                   <p:embed/>
                   <p:pic>
                     <p:nvPicPr>
@@ -5090,7 +5174,7 @@
                       <p:nvPr/>
                     </p:nvPicPr>
                     <p:blipFill>
-                      <a:blip r:embed="rId4"/>
+                      <a:blip r:embed="rId5"/>
                       <a:srcRect/>
                       <a:stretch>
                         <a:fillRect/>
@@ -5098,8 +5182,8 @@
                     </p:blipFill>
                     <p:spPr bwMode="auto">
                       <a:xfrm>
-                        <a:off x="282575" y="1912144"/>
-                        <a:ext cx="11626850" cy="3033712"/>
+                        <a:off x="251618" y="1340768"/>
+                        <a:ext cx="11688763" cy="4095750"/>
                       </a:xfrm>
                       <a:prstGeom prst="rect">
                         <a:avLst/>
